--- a/web_source/cmmathweb 2.pptx
+++ b/web_source/cmmathweb 2.pptx
@@ -5042,25 +5042,20 @@
           <a:prstGeom prst="flowChartProcess">
             <a:avLst/>
           </a:prstGeom>
-          <a:noFill/>
-          <a:ln>
-            <a:solidFill>
-              <a:srgbClr val="FF0000"/>
-            </a:solidFill>
-          </a:ln>
+          <a:ln/>
         </p:spPr>
         <p:style>
-          <a:lnRef idx="1">
-            <a:schemeClr val="accent1"/>
+          <a:lnRef idx="2">
+            <a:schemeClr val="accent2"/>
           </a:lnRef>
-          <a:fillRef idx="3">
-            <a:schemeClr val="accent1"/>
+          <a:fillRef idx="1">
+            <a:schemeClr val="lt1"/>
           </a:fillRef>
-          <a:effectRef idx="2">
-            <a:schemeClr val="accent1"/>
+          <a:effectRef idx="0">
+            <a:schemeClr val="accent2"/>
           </a:effectRef>
           <a:fontRef idx="minor">
-            <a:schemeClr val="lt1"/>
+            <a:schemeClr val="dk1"/>
           </a:fontRef>
         </p:style>
         <p:txBody>
@@ -5201,25 +5196,20 @@
           <a:prstGeom prst="flowChartProcess">
             <a:avLst/>
           </a:prstGeom>
-          <a:noFill/>
-          <a:ln>
-            <a:solidFill>
-              <a:srgbClr val="FF0000"/>
-            </a:solidFill>
-          </a:ln>
+          <a:ln/>
         </p:spPr>
         <p:style>
-          <a:lnRef idx="1">
-            <a:schemeClr val="accent1"/>
+          <a:lnRef idx="2">
+            <a:schemeClr val="accent2"/>
           </a:lnRef>
-          <a:fillRef idx="3">
-            <a:schemeClr val="accent1"/>
+          <a:fillRef idx="1">
+            <a:schemeClr val="lt1"/>
           </a:fillRef>
-          <a:effectRef idx="2">
-            <a:schemeClr val="accent1"/>
+          <a:effectRef idx="0">
+            <a:schemeClr val="accent2"/>
           </a:effectRef>
           <a:fontRef idx="minor">
-            <a:schemeClr val="lt1"/>
+            <a:schemeClr val="dk1"/>
           </a:fontRef>
         </p:style>
         <p:txBody>
@@ -5307,25 +5297,20 @@
           <a:prstGeom prst="flowChartProcess">
             <a:avLst/>
           </a:prstGeom>
-          <a:noFill/>
-          <a:ln>
-            <a:solidFill>
-              <a:srgbClr val="FF0000"/>
-            </a:solidFill>
-          </a:ln>
+          <a:ln/>
         </p:spPr>
         <p:style>
-          <a:lnRef idx="1">
-            <a:schemeClr val="accent1"/>
+          <a:lnRef idx="2">
+            <a:schemeClr val="accent2"/>
           </a:lnRef>
-          <a:fillRef idx="3">
-            <a:schemeClr val="accent1"/>
+          <a:fillRef idx="1">
+            <a:schemeClr val="lt1"/>
           </a:fillRef>
-          <a:effectRef idx="2">
-            <a:schemeClr val="accent1"/>
+          <a:effectRef idx="0">
+            <a:schemeClr val="accent2"/>
           </a:effectRef>
           <a:fontRef idx="minor">
-            <a:schemeClr val="lt1"/>
+            <a:schemeClr val="dk1"/>
           </a:fontRef>
         </p:style>
         <p:txBody>
@@ -5412,25 +5397,20 @@
           <a:prstGeom prst="flowChartProcess">
             <a:avLst/>
           </a:prstGeom>
-          <a:noFill/>
-          <a:ln>
-            <a:solidFill>
-              <a:srgbClr val="FF0000"/>
-            </a:solidFill>
-          </a:ln>
+          <a:ln/>
         </p:spPr>
         <p:style>
-          <a:lnRef idx="1">
-            <a:schemeClr val="accent1"/>
+          <a:lnRef idx="2">
+            <a:schemeClr val="accent2"/>
           </a:lnRef>
-          <a:fillRef idx="3">
-            <a:schemeClr val="accent1"/>
+          <a:fillRef idx="1">
+            <a:schemeClr val="lt1"/>
           </a:fillRef>
-          <a:effectRef idx="2">
-            <a:schemeClr val="accent1"/>
+          <a:effectRef idx="0">
+            <a:schemeClr val="accent2"/>
           </a:effectRef>
           <a:fontRef idx="minor">
-            <a:schemeClr val="lt1"/>
+            <a:schemeClr val="dk1"/>
           </a:fontRef>
         </p:style>
         <p:txBody>
@@ -5512,25 +5492,20 @@
           <a:prstGeom prst="flowChartProcess">
             <a:avLst/>
           </a:prstGeom>
-          <a:noFill/>
-          <a:ln>
-            <a:solidFill>
-              <a:srgbClr val="FF0000"/>
-            </a:solidFill>
-          </a:ln>
+          <a:ln/>
         </p:spPr>
         <p:style>
-          <a:lnRef idx="1">
-            <a:schemeClr val="accent1"/>
+          <a:lnRef idx="2">
+            <a:schemeClr val="accent2"/>
           </a:lnRef>
-          <a:fillRef idx="3">
-            <a:schemeClr val="accent1"/>
+          <a:fillRef idx="1">
+            <a:schemeClr val="lt1"/>
           </a:fillRef>
-          <a:effectRef idx="2">
-            <a:schemeClr val="accent1"/>
+          <a:effectRef idx="0">
+            <a:schemeClr val="accent2"/>
           </a:effectRef>
           <a:fontRef idx="minor">
-            <a:schemeClr val="lt1"/>
+            <a:schemeClr val="dk1"/>
           </a:fontRef>
         </p:style>
         <p:txBody>
@@ -5820,25 +5795,20 @@
           <a:prstGeom prst="flowChartProcess">
             <a:avLst/>
           </a:prstGeom>
-          <a:noFill/>
-          <a:ln>
-            <a:solidFill>
-              <a:srgbClr val="FF0000"/>
-            </a:solidFill>
-          </a:ln>
+          <a:ln/>
         </p:spPr>
         <p:style>
-          <a:lnRef idx="1">
-            <a:schemeClr val="accent1"/>
+          <a:lnRef idx="2">
+            <a:schemeClr val="accent2"/>
           </a:lnRef>
-          <a:fillRef idx="3">
-            <a:schemeClr val="accent1"/>
+          <a:fillRef idx="1">
+            <a:schemeClr val="lt1"/>
           </a:fillRef>
-          <a:effectRef idx="2">
-            <a:schemeClr val="accent1"/>
+          <a:effectRef idx="0">
+            <a:schemeClr val="accent2"/>
           </a:effectRef>
           <a:fontRef idx="minor">
-            <a:schemeClr val="lt1"/>
+            <a:schemeClr val="dk1"/>
           </a:fontRef>
         </p:style>
         <p:txBody>
@@ -5979,25 +5949,20 @@
           <a:prstGeom prst="flowChartProcess">
             <a:avLst/>
           </a:prstGeom>
-          <a:noFill/>
-          <a:ln>
-            <a:solidFill>
-              <a:srgbClr val="FF0000"/>
-            </a:solidFill>
-          </a:ln>
+          <a:ln/>
         </p:spPr>
         <p:style>
-          <a:lnRef idx="1">
-            <a:schemeClr val="accent1"/>
+          <a:lnRef idx="2">
+            <a:schemeClr val="accent2"/>
           </a:lnRef>
-          <a:fillRef idx="3">
-            <a:schemeClr val="accent1"/>
+          <a:fillRef idx="1">
+            <a:schemeClr val="lt1"/>
           </a:fillRef>
-          <a:effectRef idx="2">
-            <a:schemeClr val="accent1"/>
+          <a:effectRef idx="0">
+            <a:schemeClr val="accent2"/>
           </a:effectRef>
           <a:fontRef idx="minor">
-            <a:schemeClr val="lt1"/>
+            <a:schemeClr val="dk1"/>
           </a:fontRef>
         </p:style>
         <p:txBody>
@@ -6308,25 +6273,20 @@
           <a:prstGeom prst="flowChartProcess">
             <a:avLst/>
           </a:prstGeom>
-          <a:noFill/>
-          <a:ln>
-            <a:solidFill>
-              <a:srgbClr val="FF0000"/>
-            </a:solidFill>
-          </a:ln>
+          <a:ln/>
         </p:spPr>
         <p:style>
-          <a:lnRef idx="1">
-            <a:schemeClr val="accent1"/>
+          <a:lnRef idx="2">
+            <a:schemeClr val="accent2"/>
           </a:lnRef>
-          <a:fillRef idx="3">
-            <a:schemeClr val="accent1"/>
+          <a:fillRef idx="1">
+            <a:schemeClr val="lt1"/>
           </a:fillRef>
-          <a:effectRef idx="2">
-            <a:schemeClr val="accent1"/>
+          <a:effectRef idx="0">
+            <a:schemeClr val="accent2"/>
           </a:effectRef>
           <a:fontRef idx="minor">
-            <a:schemeClr val="lt1"/>
+            <a:schemeClr val="dk1"/>
           </a:fontRef>
         </p:style>
         <p:txBody>
@@ -6466,25 +6426,20 @@
           <a:prstGeom prst="flowChartProcess">
             <a:avLst/>
           </a:prstGeom>
-          <a:noFill/>
-          <a:ln>
-            <a:solidFill>
-              <a:srgbClr val="FF0000"/>
-            </a:solidFill>
-          </a:ln>
+          <a:ln/>
         </p:spPr>
         <p:style>
-          <a:lnRef idx="1">
-            <a:schemeClr val="accent1"/>
+          <a:lnRef idx="2">
+            <a:schemeClr val="accent2"/>
           </a:lnRef>
-          <a:fillRef idx="3">
-            <a:schemeClr val="accent1"/>
+          <a:fillRef idx="1">
+            <a:schemeClr val="lt1"/>
           </a:fillRef>
-          <a:effectRef idx="2">
-            <a:schemeClr val="accent1"/>
+          <a:effectRef idx="0">
+            <a:schemeClr val="accent2"/>
           </a:effectRef>
           <a:fontRef idx="minor">
-            <a:schemeClr val="lt1"/>
+            <a:schemeClr val="dk1"/>
           </a:fontRef>
         </p:style>
         <p:txBody>
@@ -6632,25 +6587,20 @@
           <a:prstGeom prst="flowChartProcess">
             <a:avLst/>
           </a:prstGeom>
-          <a:noFill/>
-          <a:ln>
-            <a:solidFill>
-              <a:schemeClr val="tx1"/>
-            </a:solidFill>
-          </a:ln>
+          <a:ln/>
         </p:spPr>
         <p:style>
-          <a:lnRef idx="1">
-            <a:schemeClr val="accent1"/>
+          <a:lnRef idx="2">
+            <a:schemeClr val="dk1"/>
           </a:lnRef>
-          <a:fillRef idx="3">
-            <a:schemeClr val="accent1"/>
+          <a:fillRef idx="1">
+            <a:schemeClr val="lt1"/>
           </a:fillRef>
-          <a:effectRef idx="2">
-            <a:schemeClr val="accent1"/>
+          <a:effectRef idx="0">
+            <a:schemeClr val="dk1"/>
           </a:effectRef>
           <a:fontRef idx="minor">
-            <a:schemeClr val="lt1"/>
+            <a:schemeClr val="dk1"/>
           </a:fontRef>
         </p:style>
         <p:txBody>
@@ -6702,25 +6652,20 @@
           <a:prstGeom prst="flowChartProcess">
             <a:avLst/>
           </a:prstGeom>
-          <a:noFill/>
-          <a:ln>
-            <a:solidFill>
-              <a:schemeClr val="tx1"/>
-            </a:solidFill>
-          </a:ln>
+          <a:ln/>
         </p:spPr>
         <p:style>
-          <a:lnRef idx="1">
-            <a:schemeClr val="accent1"/>
+          <a:lnRef idx="2">
+            <a:schemeClr val="dk1"/>
           </a:lnRef>
-          <a:fillRef idx="3">
-            <a:schemeClr val="accent1"/>
+          <a:fillRef idx="1">
+            <a:schemeClr val="lt1"/>
           </a:fillRef>
-          <a:effectRef idx="2">
-            <a:schemeClr val="accent1"/>
+          <a:effectRef idx="0">
+            <a:schemeClr val="dk1"/>
           </a:effectRef>
           <a:fontRef idx="minor">
-            <a:schemeClr val="lt1"/>
+            <a:schemeClr val="dk1"/>
           </a:fontRef>
         </p:style>
         <p:txBody>
@@ -6758,25 +6703,20 @@
           <a:prstGeom prst="flowChartProcess">
             <a:avLst/>
           </a:prstGeom>
-          <a:noFill/>
-          <a:ln>
-            <a:solidFill>
-              <a:schemeClr val="tx1"/>
-            </a:solidFill>
-          </a:ln>
+          <a:ln/>
         </p:spPr>
         <p:style>
-          <a:lnRef idx="1">
-            <a:schemeClr val="accent1"/>
+          <a:lnRef idx="2">
+            <a:schemeClr val="dk1"/>
           </a:lnRef>
-          <a:fillRef idx="3">
-            <a:schemeClr val="accent1"/>
+          <a:fillRef idx="1">
+            <a:schemeClr val="lt1"/>
           </a:fillRef>
-          <a:effectRef idx="2">
-            <a:schemeClr val="accent1"/>
+          <a:effectRef idx="0">
+            <a:schemeClr val="dk1"/>
           </a:effectRef>
           <a:fontRef idx="minor">
-            <a:schemeClr val="lt1"/>
+            <a:schemeClr val="dk1"/>
           </a:fontRef>
         </p:style>
         <p:txBody>
@@ -6814,25 +6754,20 @@
           <a:prstGeom prst="flowChartProcess">
             <a:avLst/>
           </a:prstGeom>
-          <a:noFill/>
-          <a:ln>
-            <a:solidFill>
-              <a:schemeClr val="tx1"/>
-            </a:solidFill>
-          </a:ln>
+          <a:ln/>
         </p:spPr>
         <p:style>
-          <a:lnRef idx="1">
-            <a:schemeClr val="accent1"/>
+          <a:lnRef idx="2">
+            <a:schemeClr val="dk1"/>
           </a:lnRef>
-          <a:fillRef idx="3">
-            <a:schemeClr val="accent1"/>
+          <a:fillRef idx="1">
+            <a:schemeClr val="lt1"/>
           </a:fillRef>
-          <a:effectRef idx="2">
-            <a:schemeClr val="accent1"/>
+          <a:effectRef idx="0">
+            <a:schemeClr val="dk1"/>
           </a:effectRef>
           <a:fontRef idx="minor">
-            <a:schemeClr val="lt1"/>
+            <a:schemeClr val="dk1"/>
           </a:fontRef>
         </p:style>
         <p:txBody>
@@ -6870,25 +6805,20 @@
           <a:prstGeom prst="flowChartProcess">
             <a:avLst/>
           </a:prstGeom>
-          <a:noFill/>
-          <a:ln>
-            <a:solidFill>
-              <a:schemeClr val="tx1"/>
-            </a:solidFill>
-          </a:ln>
+          <a:ln/>
         </p:spPr>
         <p:style>
-          <a:lnRef idx="1">
-            <a:schemeClr val="accent1"/>
+          <a:lnRef idx="2">
+            <a:schemeClr val="dk1"/>
           </a:lnRef>
-          <a:fillRef idx="3">
-            <a:schemeClr val="accent1"/>
+          <a:fillRef idx="1">
+            <a:schemeClr val="lt1"/>
           </a:fillRef>
-          <a:effectRef idx="2">
-            <a:schemeClr val="accent1"/>
+          <a:effectRef idx="0">
+            <a:schemeClr val="dk1"/>
           </a:effectRef>
           <a:fontRef idx="minor">
-            <a:schemeClr val="lt1"/>
+            <a:schemeClr val="dk1"/>
           </a:fontRef>
         </p:style>
         <p:txBody>
@@ -6926,25 +6856,20 @@
           <a:prstGeom prst="flowChartProcess">
             <a:avLst/>
           </a:prstGeom>
-          <a:noFill/>
-          <a:ln>
-            <a:solidFill>
-              <a:schemeClr val="tx1"/>
-            </a:solidFill>
-          </a:ln>
+          <a:ln/>
         </p:spPr>
         <p:style>
-          <a:lnRef idx="1">
-            <a:schemeClr val="accent1"/>
+          <a:lnRef idx="2">
+            <a:schemeClr val="dk1"/>
           </a:lnRef>
-          <a:fillRef idx="3">
-            <a:schemeClr val="accent1"/>
+          <a:fillRef idx="1">
+            <a:schemeClr val="lt1"/>
           </a:fillRef>
-          <a:effectRef idx="2">
-            <a:schemeClr val="accent1"/>
+          <a:effectRef idx="0">
+            <a:schemeClr val="dk1"/>
           </a:effectRef>
           <a:fontRef idx="minor">
-            <a:schemeClr val="lt1"/>
+            <a:schemeClr val="dk1"/>
           </a:fontRef>
         </p:style>
         <p:txBody>
@@ -7264,25 +7189,20 @@
           <a:prstGeom prst="flowChartProcess">
             <a:avLst/>
           </a:prstGeom>
-          <a:noFill/>
-          <a:ln>
-            <a:solidFill>
-              <a:schemeClr val="tx1"/>
-            </a:solidFill>
-          </a:ln>
+          <a:ln/>
         </p:spPr>
         <p:style>
-          <a:lnRef idx="1">
-            <a:schemeClr val="accent1"/>
+          <a:lnRef idx="2">
+            <a:schemeClr val="dk1"/>
           </a:lnRef>
-          <a:fillRef idx="3">
-            <a:schemeClr val="accent1"/>
+          <a:fillRef idx="1">
+            <a:schemeClr val="lt1"/>
           </a:fillRef>
-          <a:effectRef idx="2">
-            <a:schemeClr val="accent1"/>
+          <a:effectRef idx="0">
+            <a:schemeClr val="dk1"/>
           </a:effectRef>
           <a:fontRef idx="minor">
-            <a:schemeClr val="lt1"/>
+            <a:schemeClr val="dk1"/>
           </a:fontRef>
         </p:style>
         <p:txBody>
@@ -7320,25 +7240,20 @@
           <a:prstGeom prst="flowChartProcess">
             <a:avLst/>
           </a:prstGeom>
-          <a:noFill/>
-          <a:ln>
-            <a:solidFill>
-              <a:schemeClr val="tx1"/>
-            </a:solidFill>
-          </a:ln>
+          <a:ln/>
         </p:spPr>
         <p:style>
-          <a:lnRef idx="1">
-            <a:schemeClr val="accent1"/>
+          <a:lnRef idx="2">
+            <a:schemeClr val="dk1"/>
           </a:lnRef>
-          <a:fillRef idx="3">
-            <a:schemeClr val="accent1"/>
+          <a:fillRef idx="1">
+            <a:schemeClr val="lt1"/>
           </a:fillRef>
-          <a:effectRef idx="2">
-            <a:schemeClr val="accent1"/>
+          <a:effectRef idx="0">
+            <a:schemeClr val="dk1"/>
           </a:effectRef>
           <a:fontRef idx="minor">
-            <a:schemeClr val="lt1"/>
+            <a:schemeClr val="dk1"/>
           </a:fontRef>
         </p:style>
         <p:txBody>
@@ -7376,25 +7291,20 @@
           <a:prstGeom prst="flowChartProcess">
             <a:avLst/>
           </a:prstGeom>
-          <a:noFill/>
-          <a:ln>
-            <a:solidFill>
-              <a:schemeClr val="tx1"/>
-            </a:solidFill>
-          </a:ln>
+          <a:ln/>
         </p:spPr>
         <p:style>
-          <a:lnRef idx="1">
-            <a:schemeClr val="accent1"/>
+          <a:lnRef idx="2">
+            <a:schemeClr val="dk1"/>
           </a:lnRef>
-          <a:fillRef idx="3">
-            <a:schemeClr val="accent1"/>
+          <a:fillRef idx="1">
+            <a:schemeClr val="lt1"/>
           </a:fillRef>
-          <a:effectRef idx="2">
-            <a:schemeClr val="accent1"/>
+          <a:effectRef idx="0">
+            <a:schemeClr val="dk1"/>
           </a:effectRef>
           <a:fontRef idx="minor">
-            <a:schemeClr val="lt1"/>
+            <a:schemeClr val="dk1"/>
           </a:fontRef>
         </p:style>
         <p:txBody>
@@ -7432,25 +7342,20 @@
           <a:prstGeom prst="flowChartProcess">
             <a:avLst/>
           </a:prstGeom>
-          <a:noFill/>
-          <a:ln>
-            <a:solidFill>
-              <a:schemeClr val="tx1"/>
-            </a:solidFill>
-          </a:ln>
+          <a:ln/>
         </p:spPr>
         <p:style>
-          <a:lnRef idx="1">
-            <a:schemeClr val="accent1"/>
+          <a:lnRef idx="2">
+            <a:schemeClr val="dk1"/>
           </a:lnRef>
-          <a:fillRef idx="3">
-            <a:schemeClr val="accent1"/>
+          <a:fillRef idx="1">
+            <a:schemeClr val="lt1"/>
           </a:fillRef>
-          <a:effectRef idx="2">
-            <a:schemeClr val="accent1"/>
+          <a:effectRef idx="0">
+            <a:schemeClr val="dk1"/>
           </a:effectRef>
           <a:fontRef idx="minor">
-            <a:schemeClr val="lt1"/>
+            <a:schemeClr val="dk1"/>
           </a:fontRef>
         </p:style>
         <p:txBody>
@@ -7704,25 +7609,20 @@
           <a:prstGeom prst="flowChartProcess">
             <a:avLst/>
           </a:prstGeom>
-          <a:noFill/>
-          <a:ln>
-            <a:solidFill>
-              <a:schemeClr val="tx1"/>
-            </a:solidFill>
-          </a:ln>
+          <a:ln/>
         </p:spPr>
         <p:style>
-          <a:lnRef idx="1">
-            <a:schemeClr val="accent1"/>
+          <a:lnRef idx="2">
+            <a:schemeClr val="dk1"/>
           </a:lnRef>
-          <a:fillRef idx="3">
-            <a:schemeClr val="accent1"/>
+          <a:fillRef idx="1">
+            <a:schemeClr val="lt1"/>
           </a:fillRef>
-          <a:effectRef idx="2">
-            <a:schemeClr val="accent1"/>
+          <a:effectRef idx="0">
+            <a:schemeClr val="dk1"/>
           </a:effectRef>
           <a:fontRef idx="minor">
-            <a:schemeClr val="lt1"/>
+            <a:schemeClr val="dk1"/>
           </a:fontRef>
         </p:style>
         <p:txBody>
@@ -7923,6 +7823,13 @@
   <p:clrMapOvr>
     <a:masterClrMapping/>
   </p:clrMapOvr>
+  <p:timing>
+    <p:tnLst>
+      <p:par>
+        <p:cTn xmlns:p14="http://schemas.microsoft.com/office/powerpoint/2010/main" id="1" dur="indefinite" restart="never" nodeType="tmRoot"/>
+      </p:par>
+    </p:tnLst>
+  </p:timing>
 </p:sld>
 </file>
 
@@ -8253,25 +8160,20 @@
           <a:prstGeom prst="flowChartProcess">
             <a:avLst/>
           </a:prstGeom>
-          <a:noFill/>
-          <a:ln>
-            <a:solidFill>
-              <a:srgbClr val="FF0000"/>
-            </a:solidFill>
-          </a:ln>
+          <a:ln/>
         </p:spPr>
         <p:style>
-          <a:lnRef idx="1">
-            <a:schemeClr val="accent1"/>
+          <a:lnRef idx="2">
+            <a:schemeClr val="accent2"/>
           </a:lnRef>
-          <a:fillRef idx="3">
-            <a:schemeClr val="accent1"/>
+          <a:fillRef idx="1">
+            <a:schemeClr val="lt1"/>
           </a:fillRef>
-          <a:effectRef idx="2">
-            <a:schemeClr val="accent1"/>
+          <a:effectRef idx="0">
+            <a:schemeClr val="accent2"/>
           </a:effectRef>
           <a:fontRef idx="minor">
-            <a:schemeClr val="lt1"/>
+            <a:schemeClr val="dk1"/>
           </a:fontRef>
         </p:style>
         <p:txBody>
@@ -8375,25 +8277,20 @@
           <a:prstGeom prst="flowChartProcess">
             <a:avLst/>
           </a:prstGeom>
-          <a:noFill/>
-          <a:ln>
-            <a:solidFill>
-              <a:srgbClr val="FF0000"/>
-            </a:solidFill>
-          </a:ln>
+          <a:ln/>
         </p:spPr>
         <p:style>
-          <a:lnRef idx="1">
-            <a:schemeClr val="accent1"/>
+          <a:lnRef idx="2">
+            <a:schemeClr val="accent2"/>
           </a:lnRef>
-          <a:fillRef idx="3">
-            <a:schemeClr val="accent1"/>
+          <a:fillRef idx="1">
+            <a:schemeClr val="lt1"/>
           </a:fillRef>
-          <a:effectRef idx="2">
-            <a:schemeClr val="accent1"/>
+          <a:effectRef idx="0">
+            <a:schemeClr val="accent2"/>
           </a:effectRef>
           <a:fontRef idx="minor">
-            <a:schemeClr val="lt1"/>
+            <a:schemeClr val="dk1"/>
           </a:fontRef>
         </p:style>
         <p:txBody>
@@ -8819,25 +8716,20 @@
           <a:prstGeom prst="flowChartProcess">
             <a:avLst/>
           </a:prstGeom>
-          <a:noFill/>
-          <a:ln>
-            <a:solidFill>
-              <a:srgbClr val="FF0000"/>
-            </a:solidFill>
-          </a:ln>
+          <a:ln/>
         </p:spPr>
         <p:style>
-          <a:lnRef idx="1">
-            <a:schemeClr val="accent1"/>
+          <a:lnRef idx="2">
+            <a:schemeClr val="accent2"/>
           </a:lnRef>
-          <a:fillRef idx="3">
-            <a:schemeClr val="accent1"/>
+          <a:fillRef idx="1">
+            <a:schemeClr val="lt1"/>
           </a:fillRef>
-          <a:effectRef idx="2">
-            <a:schemeClr val="accent1"/>
+          <a:effectRef idx="0">
+            <a:schemeClr val="accent2"/>
           </a:effectRef>
           <a:fontRef idx="minor">
-            <a:schemeClr val="lt1"/>
+            <a:schemeClr val="dk1"/>
           </a:fontRef>
         </p:style>
         <p:txBody>
@@ -8964,25 +8856,20 @@
           <a:prstGeom prst="flowChartProcess">
             <a:avLst/>
           </a:prstGeom>
-          <a:noFill/>
-          <a:ln>
-            <a:solidFill>
-              <a:srgbClr val="FF0000"/>
-            </a:solidFill>
-          </a:ln>
+          <a:ln/>
         </p:spPr>
         <p:style>
-          <a:lnRef idx="1">
-            <a:schemeClr val="accent1"/>
+          <a:lnRef idx="2">
+            <a:schemeClr val="accent2"/>
           </a:lnRef>
-          <a:fillRef idx="3">
-            <a:schemeClr val="accent1"/>
+          <a:fillRef idx="1">
+            <a:schemeClr val="lt1"/>
           </a:fillRef>
-          <a:effectRef idx="2">
-            <a:schemeClr val="accent1"/>
+          <a:effectRef idx="0">
+            <a:schemeClr val="accent2"/>
           </a:effectRef>
           <a:fontRef idx="minor">
-            <a:schemeClr val="lt1"/>
+            <a:schemeClr val="dk1"/>
           </a:fontRef>
         </p:style>
         <p:txBody>
@@ -9070,25 +8957,20 @@
           <a:prstGeom prst="flowChartProcess">
             <a:avLst/>
           </a:prstGeom>
-          <a:noFill/>
-          <a:ln>
-            <a:solidFill>
-              <a:srgbClr val="FF0000"/>
-            </a:solidFill>
-          </a:ln>
+          <a:ln/>
         </p:spPr>
         <p:style>
-          <a:lnRef idx="1">
-            <a:schemeClr val="accent1"/>
+          <a:lnRef idx="2">
+            <a:schemeClr val="accent2"/>
           </a:lnRef>
-          <a:fillRef idx="3">
-            <a:schemeClr val="accent1"/>
+          <a:fillRef idx="1">
+            <a:schemeClr val="lt1"/>
           </a:fillRef>
-          <a:effectRef idx="2">
-            <a:schemeClr val="accent1"/>
+          <a:effectRef idx="0">
+            <a:schemeClr val="accent2"/>
           </a:effectRef>
           <a:fontRef idx="minor">
-            <a:schemeClr val="lt1"/>
+            <a:schemeClr val="dk1"/>
           </a:fontRef>
         </p:style>
         <p:txBody>
@@ -9371,25 +9253,20 @@
           <a:prstGeom prst="flowChartProcess">
             <a:avLst/>
           </a:prstGeom>
-          <a:noFill/>
-          <a:ln>
-            <a:solidFill>
-              <a:srgbClr val="FF0000"/>
-            </a:solidFill>
-          </a:ln>
+          <a:ln/>
         </p:spPr>
         <p:style>
-          <a:lnRef idx="1">
-            <a:schemeClr val="accent1"/>
+          <a:lnRef idx="2">
+            <a:schemeClr val="accent2"/>
           </a:lnRef>
-          <a:fillRef idx="3">
-            <a:schemeClr val="accent1"/>
+          <a:fillRef idx="1">
+            <a:schemeClr val="lt1"/>
           </a:fillRef>
-          <a:effectRef idx="2">
-            <a:schemeClr val="accent1"/>
+          <a:effectRef idx="0">
+            <a:schemeClr val="accent2"/>
           </a:effectRef>
           <a:fontRef idx="minor">
-            <a:schemeClr val="lt1"/>
+            <a:schemeClr val="dk1"/>
           </a:fontRef>
         </p:style>
         <p:txBody>
@@ -9488,25 +9365,20 @@
           <a:prstGeom prst="flowChartProcess">
             <a:avLst/>
           </a:prstGeom>
-          <a:noFill/>
-          <a:ln>
-            <a:solidFill>
-              <a:srgbClr val="FF0000"/>
-            </a:solidFill>
-          </a:ln>
+          <a:ln/>
         </p:spPr>
         <p:style>
-          <a:lnRef idx="1">
-            <a:schemeClr val="accent1"/>
+          <a:lnRef idx="2">
+            <a:schemeClr val="accent2"/>
           </a:lnRef>
-          <a:fillRef idx="3">
-            <a:schemeClr val="accent1"/>
+          <a:fillRef idx="1">
+            <a:schemeClr val="lt1"/>
           </a:fillRef>
-          <a:effectRef idx="2">
-            <a:schemeClr val="accent1"/>
+          <a:effectRef idx="0">
+            <a:schemeClr val="accent2"/>
           </a:effectRef>
           <a:fontRef idx="minor">
-            <a:schemeClr val="lt1"/>
+            <a:schemeClr val="dk1"/>
           </a:fontRef>
         </p:style>
         <p:txBody>
@@ -10562,25 +10434,20 @@
           <a:prstGeom prst="flowChartProcess">
             <a:avLst/>
           </a:prstGeom>
-          <a:noFill/>
-          <a:ln>
-            <a:solidFill>
-              <a:srgbClr val="FF0000"/>
-            </a:solidFill>
-          </a:ln>
+          <a:ln/>
         </p:spPr>
         <p:style>
-          <a:lnRef idx="1">
-            <a:schemeClr val="accent1"/>
+          <a:lnRef idx="2">
+            <a:schemeClr val="accent2"/>
           </a:lnRef>
-          <a:fillRef idx="3">
-            <a:schemeClr val="accent1"/>
+          <a:fillRef idx="1">
+            <a:schemeClr val="lt1"/>
           </a:fillRef>
-          <a:effectRef idx="2">
-            <a:schemeClr val="accent1"/>
+          <a:effectRef idx="0">
+            <a:schemeClr val="accent2"/>
           </a:effectRef>
           <a:fontRef idx="minor">
-            <a:schemeClr val="lt1"/>
+            <a:schemeClr val="dk1"/>
           </a:fontRef>
         </p:style>
         <p:txBody>
@@ -10668,25 +10535,20 @@
           <a:prstGeom prst="flowChartProcess">
             <a:avLst/>
           </a:prstGeom>
-          <a:noFill/>
-          <a:ln>
-            <a:solidFill>
-              <a:srgbClr val="FF0000"/>
-            </a:solidFill>
-          </a:ln>
+          <a:ln/>
         </p:spPr>
         <p:style>
-          <a:lnRef idx="1">
-            <a:schemeClr val="accent1"/>
+          <a:lnRef idx="2">
+            <a:schemeClr val="accent2"/>
           </a:lnRef>
-          <a:fillRef idx="3">
-            <a:schemeClr val="accent1"/>
+          <a:fillRef idx="1">
+            <a:schemeClr val="lt1"/>
           </a:fillRef>
-          <a:effectRef idx="2">
-            <a:schemeClr val="accent1"/>
+          <a:effectRef idx="0">
+            <a:schemeClr val="accent2"/>
           </a:effectRef>
           <a:fontRef idx="minor">
-            <a:schemeClr val="lt1"/>
+            <a:schemeClr val="dk1"/>
           </a:fontRef>
         </p:style>
         <p:txBody>
@@ -10758,25 +10620,20 @@
           <a:prstGeom prst="flowChartProcess">
             <a:avLst/>
           </a:prstGeom>
-          <a:noFill/>
-          <a:ln>
-            <a:solidFill>
-              <a:srgbClr val="FF0000"/>
-            </a:solidFill>
-          </a:ln>
+          <a:ln/>
         </p:spPr>
         <p:style>
-          <a:lnRef idx="1">
-            <a:schemeClr val="accent1"/>
+          <a:lnRef idx="2">
+            <a:schemeClr val="accent2"/>
           </a:lnRef>
-          <a:fillRef idx="3">
-            <a:schemeClr val="accent1"/>
+          <a:fillRef idx="1">
+            <a:schemeClr val="lt1"/>
           </a:fillRef>
-          <a:effectRef idx="2">
-            <a:schemeClr val="accent1"/>
+          <a:effectRef idx="0">
+            <a:schemeClr val="accent2"/>
           </a:effectRef>
           <a:fontRef idx="minor">
-            <a:schemeClr val="lt1"/>
+            <a:schemeClr val="dk1"/>
           </a:fontRef>
         </p:style>
         <p:txBody>
@@ -10880,25 +10737,20 @@
           <a:prstGeom prst="flowChartProcess">
             <a:avLst/>
           </a:prstGeom>
-          <a:noFill/>
-          <a:ln>
-            <a:solidFill>
-              <a:srgbClr val="FF0000"/>
-            </a:solidFill>
-          </a:ln>
+          <a:ln/>
         </p:spPr>
         <p:style>
-          <a:lnRef idx="1">
-            <a:schemeClr val="accent1"/>
+          <a:lnRef idx="2">
+            <a:schemeClr val="accent2"/>
           </a:lnRef>
-          <a:fillRef idx="3">
-            <a:schemeClr val="accent1"/>
+          <a:fillRef idx="1">
+            <a:schemeClr val="lt1"/>
           </a:fillRef>
-          <a:effectRef idx="2">
-            <a:schemeClr val="accent1"/>
+          <a:effectRef idx="0">
+            <a:schemeClr val="accent2"/>
           </a:effectRef>
           <a:fontRef idx="minor">
-            <a:schemeClr val="lt1"/>
+            <a:schemeClr val="dk1"/>
           </a:fontRef>
         </p:style>
         <p:txBody>
@@ -10986,25 +10838,20 @@
           <a:prstGeom prst="flowChartProcess">
             <a:avLst/>
           </a:prstGeom>
-          <a:noFill/>
-          <a:ln>
-            <a:solidFill>
-              <a:srgbClr val="FF0000"/>
-            </a:solidFill>
-          </a:ln>
+          <a:ln/>
         </p:spPr>
         <p:style>
-          <a:lnRef idx="1">
-            <a:schemeClr val="accent1"/>
+          <a:lnRef idx="2">
+            <a:schemeClr val="accent2"/>
           </a:lnRef>
-          <a:fillRef idx="3">
-            <a:schemeClr val="accent1"/>
+          <a:fillRef idx="1">
+            <a:schemeClr val="lt1"/>
           </a:fillRef>
-          <a:effectRef idx="2">
-            <a:schemeClr val="accent1"/>
+          <a:effectRef idx="0">
+            <a:schemeClr val="accent2"/>
           </a:effectRef>
           <a:fontRef idx="minor">
-            <a:schemeClr val="lt1"/>
+            <a:schemeClr val="dk1"/>
           </a:fontRef>
         </p:style>
         <p:txBody>
@@ -11298,25 +11145,20 @@
           <a:prstGeom prst="flowChartProcess">
             <a:avLst/>
           </a:prstGeom>
-          <a:noFill/>
-          <a:ln>
-            <a:solidFill>
-              <a:srgbClr val="FF0000"/>
-            </a:solidFill>
-          </a:ln>
+          <a:ln/>
         </p:spPr>
         <p:style>
-          <a:lnRef idx="1">
-            <a:schemeClr val="accent1"/>
+          <a:lnRef idx="2">
+            <a:schemeClr val="accent2"/>
           </a:lnRef>
-          <a:fillRef idx="3">
-            <a:schemeClr val="accent1"/>
+          <a:fillRef idx="1">
+            <a:schemeClr val="lt1"/>
           </a:fillRef>
-          <a:effectRef idx="2">
-            <a:schemeClr val="accent1"/>
+          <a:effectRef idx="0">
+            <a:schemeClr val="accent2"/>
           </a:effectRef>
           <a:fontRef idx="minor">
-            <a:schemeClr val="lt1"/>
+            <a:schemeClr val="dk1"/>
           </a:fontRef>
         </p:style>
         <p:txBody>
@@ -11457,25 +11299,20 @@
           <a:prstGeom prst="flowChartProcess">
             <a:avLst/>
           </a:prstGeom>
-          <a:noFill/>
-          <a:ln>
-            <a:solidFill>
-              <a:srgbClr val="FF0000"/>
-            </a:solidFill>
-          </a:ln>
+          <a:ln/>
         </p:spPr>
         <p:style>
-          <a:lnRef idx="1">
-            <a:schemeClr val="accent1"/>
+          <a:lnRef idx="2">
+            <a:schemeClr val="accent2"/>
           </a:lnRef>
-          <a:fillRef idx="3">
-            <a:schemeClr val="accent1"/>
+          <a:fillRef idx="1">
+            <a:schemeClr val="lt1"/>
           </a:fillRef>
-          <a:effectRef idx="2">
-            <a:schemeClr val="accent1"/>
+          <a:effectRef idx="0">
+            <a:schemeClr val="accent2"/>
           </a:effectRef>
           <a:fontRef idx="minor">
-            <a:schemeClr val="lt1"/>
+            <a:schemeClr val="dk1"/>
           </a:fontRef>
         </p:style>
         <p:txBody>
@@ -11780,25 +11617,20 @@
           <a:prstGeom prst="flowChartProcess">
             <a:avLst/>
           </a:prstGeom>
-          <a:noFill/>
-          <a:ln>
-            <a:solidFill>
-              <a:srgbClr val="FF0000"/>
-            </a:solidFill>
-          </a:ln>
+          <a:ln/>
         </p:spPr>
         <p:style>
-          <a:lnRef idx="1">
-            <a:schemeClr val="accent1"/>
+          <a:lnRef idx="2">
+            <a:schemeClr val="accent2"/>
           </a:lnRef>
-          <a:fillRef idx="3">
-            <a:schemeClr val="accent1"/>
+          <a:fillRef idx="1">
+            <a:schemeClr val="lt1"/>
           </a:fillRef>
-          <a:effectRef idx="2">
-            <a:schemeClr val="accent1"/>
+          <a:effectRef idx="0">
+            <a:schemeClr val="accent2"/>
           </a:effectRef>
           <a:fontRef idx="minor">
-            <a:schemeClr val="lt1"/>
+            <a:schemeClr val="dk1"/>
           </a:fontRef>
         </p:style>
         <p:txBody>
@@ -11923,25 +11755,20 @@
           <a:prstGeom prst="flowChartProcess">
             <a:avLst/>
           </a:prstGeom>
-          <a:noFill/>
-          <a:ln>
-            <a:solidFill>
-              <a:srgbClr val="FF0000"/>
-            </a:solidFill>
-          </a:ln>
+          <a:ln/>
         </p:spPr>
         <p:style>
-          <a:lnRef idx="1">
-            <a:schemeClr val="accent1"/>
+          <a:lnRef idx="2">
+            <a:schemeClr val="accent2"/>
           </a:lnRef>
-          <a:fillRef idx="3">
-            <a:schemeClr val="accent1"/>
+          <a:fillRef idx="1">
+            <a:schemeClr val="lt1"/>
           </a:fillRef>
-          <a:effectRef idx="2">
-            <a:schemeClr val="accent1"/>
+          <a:effectRef idx="0">
+            <a:schemeClr val="accent2"/>
           </a:effectRef>
           <a:fontRef idx="minor">
-            <a:schemeClr val="lt1"/>
+            <a:schemeClr val="dk1"/>
           </a:fontRef>
         </p:style>
         <p:txBody>
@@ -12233,25 +12060,20 @@
           <a:prstGeom prst="flowChartProcess">
             <a:avLst/>
           </a:prstGeom>
-          <a:noFill/>
-          <a:ln>
-            <a:solidFill>
-              <a:srgbClr val="FF0000"/>
-            </a:solidFill>
-          </a:ln>
+          <a:ln/>
         </p:spPr>
         <p:style>
-          <a:lnRef idx="1">
-            <a:schemeClr val="accent1"/>
+          <a:lnRef idx="2">
+            <a:schemeClr val="accent2"/>
           </a:lnRef>
-          <a:fillRef idx="3">
-            <a:schemeClr val="accent1"/>
+          <a:fillRef idx="1">
+            <a:schemeClr val="lt1"/>
           </a:fillRef>
-          <a:effectRef idx="2">
-            <a:schemeClr val="accent1"/>
+          <a:effectRef idx="0">
+            <a:schemeClr val="accent2"/>
           </a:effectRef>
           <a:fontRef idx="minor">
-            <a:schemeClr val="lt1"/>
+            <a:schemeClr val="dk1"/>
           </a:fontRef>
         </p:style>
         <p:txBody>
@@ -12392,25 +12214,20 @@
           <a:prstGeom prst="flowChartProcess">
             <a:avLst/>
           </a:prstGeom>
-          <a:noFill/>
-          <a:ln>
-            <a:solidFill>
-              <a:srgbClr val="FF0000"/>
-            </a:solidFill>
-          </a:ln>
+          <a:ln/>
         </p:spPr>
         <p:style>
-          <a:lnRef idx="1">
-            <a:schemeClr val="accent1"/>
+          <a:lnRef idx="2">
+            <a:schemeClr val="accent2"/>
           </a:lnRef>
-          <a:fillRef idx="3">
-            <a:schemeClr val="accent1"/>
+          <a:fillRef idx="1">
+            <a:schemeClr val="lt1"/>
           </a:fillRef>
-          <a:effectRef idx="2">
-            <a:schemeClr val="accent1"/>
+          <a:effectRef idx="0">
+            <a:schemeClr val="accent2"/>
           </a:effectRef>
           <a:fontRef idx="minor">
-            <a:schemeClr val="lt1"/>
+            <a:schemeClr val="dk1"/>
           </a:fontRef>
         </p:style>
         <p:txBody>

--- a/web_source/cmmathweb 2.pptx
+++ b/web_source/cmmathweb 2.pptx
@@ -5069,7 +5069,23 @@
                   <a:srgbClr val="000000"/>
                 </a:solidFill>
               </a:rPr>
-              <a:t>Press this will send data above to parse server and try to create a new </a:t>
+              <a:t>Press </a:t>
+            </a:r>
+            <a:r>
+              <a:rPr lang="en-US" dirty="0" smtClean="0">
+                <a:solidFill>
+                  <a:srgbClr val="000000"/>
+                </a:solidFill>
+              </a:rPr>
+              <a:t>to </a:t>
+            </a:r>
+            <a:r>
+              <a:rPr lang="en-US" dirty="0">
+                <a:solidFill>
+                  <a:srgbClr val="000000"/>
+                </a:solidFill>
+              </a:rPr>
+              <a:t>send data above to parse server and try to create a new </a:t>
             </a:r>
             <a:r>
               <a:rPr lang="en-US" dirty="0" smtClean="0">
@@ -5822,7 +5838,23 @@
                   <a:srgbClr val="000000"/>
                 </a:solidFill>
               </a:rPr>
-              <a:t>Press this will send data above to parse server and try to create a new </a:t>
+              <a:t>Press </a:t>
+            </a:r>
+            <a:r>
+              <a:rPr lang="en-US" dirty="0" smtClean="0">
+                <a:solidFill>
+                  <a:srgbClr val="000000"/>
+                </a:solidFill>
+              </a:rPr>
+              <a:t>to </a:t>
+            </a:r>
+            <a:r>
+              <a:rPr lang="en-US" dirty="0">
+                <a:solidFill>
+                  <a:srgbClr val="000000"/>
+                </a:solidFill>
+              </a:rPr>
+              <a:t>send data above to parse server and try to create a new </a:t>
             </a:r>
             <a:r>
               <a:rPr lang="en-US" dirty="0" smtClean="0">
@@ -6300,7 +6332,23 @@
                   <a:srgbClr val="000000"/>
                 </a:solidFill>
               </a:rPr>
-              <a:t>Press this will send data above to parse server and try to create a new </a:t>
+              <a:t>Press </a:t>
+            </a:r>
+            <a:r>
+              <a:rPr lang="en-US" dirty="0" smtClean="0">
+                <a:solidFill>
+                  <a:srgbClr val="000000"/>
+                </a:solidFill>
+              </a:rPr>
+              <a:t>to </a:t>
+            </a:r>
+            <a:r>
+              <a:rPr lang="en-US" dirty="0">
+                <a:solidFill>
+                  <a:srgbClr val="000000"/>
+                </a:solidFill>
+              </a:rPr>
+              <a:t>send data above to parse server and try to create a new </a:t>
             </a:r>
             <a:r>
               <a:rPr lang="en-US" dirty="0" smtClean="0">
@@ -7009,7 +7057,7 @@
         </p:nvSpPr>
         <p:spPr>
           <a:xfrm>
-            <a:off x="736600" y="1716385"/>
+            <a:off x="736600" y="1788120"/>
             <a:ext cx="1284557" cy="923330"/>
           </a:xfrm>
           <a:prstGeom prst="rect">
@@ -7603,7 +7651,7 @@
         </p:nvSpPr>
         <p:spPr>
           <a:xfrm>
-            <a:off x="4869131" y="1322685"/>
+            <a:off x="4869131" y="1144885"/>
             <a:ext cx="1409700" cy="787400"/>
           </a:xfrm>
           <a:prstGeom prst="flowChartProcess">
@@ -7657,8 +7705,8 @@
         </p:nvCxnSpPr>
         <p:spPr>
           <a:xfrm flipV="1">
-            <a:off x="5573981" y="2110085"/>
-            <a:ext cx="0" cy="874415"/>
+            <a:off x="5573981" y="1932285"/>
+            <a:ext cx="0" cy="1052215"/>
           </a:xfrm>
           <a:prstGeom prst="straightConnector1">
             <a:avLst/>
@@ -7813,6 +7861,47 @@
           </a:p>
         </p:txBody>
       </p:sp>
+      <p:cxnSp>
+        <p:nvCxnSpPr>
+          <p:cNvPr id="6" name="Elbow Connector 5"/>
+          <p:cNvCxnSpPr>
+            <a:stCxn id="132" idx="1"/>
+            <a:endCxn id="10" idx="1"/>
+          </p:cNvCxnSpPr>
+          <p:nvPr/>
+        </p:nvCxnSpPr>
+        <p:spPr>
+          <a:xfrm rot="10800000" flipV="1">
+            <a:off x="457201" y="1538584"/>
+            <a:ext cx="4411931" cy="1852315"/>
+          </a:xfrm>
+          <a:prstGeom prst="bentConnector3">
+            <a:avLst>
+              <a:gd name="adj1" fmla="val 105181"/>
+            </a:avLst>
+          </a:prstGeom>
+          <a:ln>
+            <a:solidFill>
+              <a:schemeClr val="tx1"/>
+            </a:solidFill>
+            <a:tailEnd type="arrow"/>
+          </a:ln>
+        </p:spPr>
+        <p:style>
+          <a:lnRef idx="2">
+            <a:schemeClr val="accent1"/>
+          </a:lnRef>
+          <a:fillRef idx="0">
+            <a:schemeClr val="accent1"/>
+          </a:fillRef>
+          <a:effectRef idx="1">
+            <a:schemeClr val="accent1"/>
+          </a:effectRef>
+          <a:fontRef idx="minor">
+            <a:schemeClr val="tx1"/>
+          </a:fontRef>
+        </p:style>
+      </p:cxnSp>
     </p:spTree>
     <p:extLst>
       <p:ext uri="{BB962C8B-B14F-4D97-AF65-F5344CB8AC3E}">
@@ -8187,7 +8276,7 @@
                   <a:srgbClr val="000000"/>
                 </a:solidFill>
               </a:rPr>
-              <a:t>Press will send email and password to parse server and try to log in user.</a:t>
+              <a:t>Press to send email and password to parse server and try to log in user.</a:t>
             </a:r>
           </a:p>
           <a:p>
@@ -8304,7 +8393,7 @@
                   <a:srgbClr val="000000"/>
                 </a:solidFill>
               </a:rPr>
-              <a:t>Press this will send above data to parse server and try to  create new user.</a:t>
+              <a:t>Press to send above data to parse server and try to  create new user.</a:t>
             </a:r>
           </a:p>
           <a:p>
@@ -9280,7 +9369,23 @@
                   <a:srgbClr val="000000"/>
                 </a:solidFill>
               </a:rPr>
-              <a:t>Press this will send data above to parse server and try to create a new event with admin is current user.</a:t>
+              <a:t>Press to send data above to parse server and try to create a new event with </a:t>
+            </a:r>
+            <a:r>
+              <a:rPr lang="en-US" dirty="0" smtClean="0">
+                <a:solidFill>
+                  <a:srgbClr val="000000"/>
+                </a:solidFill>
+              </a:rPr>
+              <a:t>admin(user) </a:t>
+            </a:r>
+            <a:r>
+              <a:rPr lang="en-US" dirty="0" smtClean="0">
+                <a:solidFill>
+                  <a:srgbClr val="000000"/>
+                </a:solidFill>
+              </a:rPr>
+              <a:t>is current user.</a:t>
             </a:r>
           </a:p>
           <a:p>
@@ -10647,7 +10752,7 @@
                   <a:srgbClr val="000000"/>
                 </a:solidFill>
               </a:rPr>
-              <a:t>Press these button to add new data, </a:t>
+              <a:t>Press these buttons to add new data, </a:t>
             </a:r>
             <a:r>
               <a:rPr lang="en-US" i="1" dirty="0" err="1" smtClean="0">
@@ -10764,7 +10869,7 @@
                   <a:srgbClr val="000000"/>
                 </a:solidFill>
               </a:rPr>
-              <a:t>Press this to log out, go back to </a:t>
+              <a:t>Press to log out, go back to </a:t>
             </a:r>
             <a:r>
               <a:rPr lang="en-US" i="1" dirty="0" smtClean="0">
@@ -11172,7 +11277,23 @@
                   <a:srgbClr val="000000"/>
                 </a:solidFill>
               </a:rPr>
-              <a:t>Press this will send data above to parse server and try to create a new </a:t>
+              <a:t>Press </a:t>
+            </a:r>
+            <a:r>
+              <a:rPr lang="en-US" dirty="0" smtClean="0">
+                <a:solidFill>
+                  <a:srgbClr val="000000"/>
+                </a:solidFill>
+              </a:rPr>
+              <a:t>to </a:t>
+            </a:r>
+            <a:r>
+              <a:rPr lang="en-US" dirty="0">
+                <a:solidFill>
+                  <a:srgbClr val="000000"/>
+                </a:solidFill>
+              </a:rPr>
+              <a:t>send data above to parse server and try to create a new </a:t>
             </a:r>
             <a:r>
               <a:rPr lang="en-US" dirty="0" smtClean="0">
@@ -11644,7 +11765,23 @@
                   <a:srgbClr val="000000"/>
                 </a:solidFill>
               </a:rPr>
-              <a:t>Press this will send data above to parse server and try to create a new </a:t>
+              <a:t>Press </a:t>
+            </a:r>
+            <a:r>
+              <a:rPr lang="en-US" dirty="0" smtClean="0">
+                <a:solidFill>
+                  <a:srgbClr val="000000"/>
+                </a:solidFill>
+              </a:rPr>
+              <a:t>to </a:t>
+            </a:r>
+            <a:r>
+              <a:rPr lang="en-US" dirty="0">
+                <a:solidFill>
+                  <a:srgbClr val="000000"/>
+                </a:solidFill>
+              </a:rPr>
+              <a:t>send data above to parse server and try to create a new </a:t>
             </a:r>
             <a:r>
               <a:rPr lang="en-US" dirty="0" smtClean="0">
@@ -12087,7 +12224,23 @@
                   <a:srgbClr val="000000"/>
                 </a:solidFill>
               </a:rPr>
-              <a:t>Press this will send data above to parse server and try to create a new </a:t>
+              <a:t>Press </a:t>
+            </a:r>
+            <a:r>
+              <a:rPr lang="en-US" dirty="0" smtClean="0">
+                <a:solidFill>
+                  <a:srgbClr val="000000"/>
+                </a:solidFill>
+              </a:rPr>
+              <a:t>to </a:t>
+            </a:r>
+            <a:r>
+              <a:rPr lang="en-US" dirty="0">
+                <a:solidFill>
+                  <a:srgbClr val="000000"/>
+                </a:solidFill>
+              </a:rPr>
+              <a:t>send data above to parse server and try to create a new </a:t>
             </a:r>
             <a:r>
               <a:rPr lang="en-US" dirty="0" smtClean="0">

--- a/web_source/cmmathweb 2.pptx
+++ b/web_source/cmmathweb 2.pptx
@@ -5648,7 +5648,11 @@
           <a:p>
             <a:r>
               <a:rPr lang="en-US" dirty="0" smtClean="0"/>
-              <a:t>Add Post</a:t>
+              <a:t>Add </a:t>
+            </a:r>
+            <a:r>
+              <a:rPr lang="en-US" dirty="0" smtClean="0"/>
+              <a:t>Post</a:t>
             </a:r>
             <a:endParaRPr lang="en-US" dirty="0"/>
           </a:p>
@@ -5694,7 +5698,7 @@
         <p:spPr>
           <a:xfrm>
             <a:off x="2247900" y="2438400"/>
-            <a:ext cx="4660900" cy="1477328"/>
+            <a:ext cx="4660900" cy="369332"/>
           </a:xfrm>
           <a:prstGeom prst="rect">
             <a:avLst/>
@@ -5714,41 +5718,17 @@
           <a:p>
             <a:r>
               <a:rPr lang="en-US" dirty="0" smtClean="0"/>
-              <a:t>Name(name, string):</a:t>
-            </a:r>
-          </a:p>
-          <a:p>
+              <a:t>Content</a:t>
+            </a:r>
             <a:r>
               <a:rPr lang="en-US" dirty="0" smtClean="0"/>
-              <a:t>Author(</a:t>
-            </a:r>
-            <a:r>
-              <a:rPr lang="en-US" dirty="0" err="1" smtClean="0"/>
-              <a:t>author_name</a:t>
+              <a:t>(content, string)</a:t>
             </a:r>
             <a:r>
               <a:rPr lang="en-US" dirty="0" smtClean="0"/>
-              <a:t>, string):</a:t>
-            </a:r>
-          </a:p>
-          <a:p>
-            <a:r>
-              <a:rPr lang="en-US" dirty="0" smtClean="0"/>
-              <a:t>Content(content, string):</a:t>
-            </a:r>
-          </a:p>
-          <a:p>
-            <a:r>
-              <a:rPr lang="en-US" dirty="0" smtClean="0"/>
-              <a:t>Attachment(attachment, attachment):</a:t>
-            </a:r>
-          </a:p>
-          <a:p>
-            <a:r>
-              <a:rPr lang="en-US" dirty="0" smtClean="0"/>
-              <a:t>Image(image, file):</a:t>
-            </a:r>
-            <a:endParaRPr lang="en-US" dirty="0"/>
+              <a:t>:</a:t>
+            </a:r>
+            <a:endParaRPr lang="en-US" dirty="0" smtClean="0"/>
           </a:p>
         </p:txBody>
       </p:sp>
@@ -5760,7 +5740,7 @@
         </p:nvSpPr>
         <p:spPr>
           <a:xfrm>
-            <a:off x="4978400" y="4476592"/>
+            <a:off x="4978400" y="4095592"/>
             <a:ext cx="1930400" cy="368300"/>
           </a:xfrm>
           <a:prstGeom prst="roundRect">
@@ -5805,8 +5785,8 @@
         </p:nvSpPr>
         <p:spPr>
           <a:xfrm>
-            <a:off x="736600" y="4487628"/>
-            <a:ext cx="3378200" cy="1976672"/>
+            <a:off x="736600" y="4106628"/>
+            <a:ext cx="3378200" cy="2256072"/>
           </a:xfrm>
           <a:prstGeom prst="flowChartProcess">
             <a:avLst/>
@@ -5862,7 +5842,15 @@
                   <a:srgbClr val="000000"/>
                 </a:solidFill>
               </a:rPr>
-              <a:t>post with event(event) is </a:t>
+              <a:t>announcement </a:t>
+            </a:r>
+            <a:r>
+              <a:rPr lang="en-US" dirty="0" smtClean="0">
+                <a:solidFill>
+                  <a:srgbClr val="000000"/>
+                </a:solidFill>
+              </a:rPr>
+              <a:t>with event(event) is </a:t>
             </a:r>
             <a:r>
               <a:rPr lang="en-US" dirty="0">
@@ -5918,7 +5906,31 @@
                   <a:srgbClr val="000000"/>
                 </a:solidFill>
               </a:rPr>
-              <a:t> and show all posts of this event.</a:t>
+              <a:t> and show all </a:t>
+            </a:r>
+            <a:r>
+              <a:rPr lang="en-US" dirty="0">
+                <a:solidFill>
+                  <a:srgbClr val="000000"/>
+                </a:solidFill>
+              </a:rPr>
+              <a:t>a</a:t>
+            </a:r>
+            <a:r>
+              <a:rPr lang="en-US" dirty="0" smtClean="0">
+                <a:solidFill>
+                  <a:srgbClr val="000000"/>
+                </a:solidFill>
+              </a:rPr>
+              <a:t>nnouncements </a:t>
+            </a:r>
+            <a:r>
+              <a:rPr lang="en-US" dirty="0" smtClean="0">
+                <a:solidFill>
+                  <a:srgbClr val="000000"/>
+                </a:solidFill>
+              </a:rPr>
+              <a:t>of this event.</a:t>
             </a:r>
             <a:endParaRPr lang="en-US" dirty="0">
               <a:solidFill>
@@ -5939,8 +5951,8 @@
         </p:nvCxnSpPr>
         <p:spPr>
           <a:xfrm flipV="1">
-            <a:off x="4114800" y="4660742"/>
-            <a:ext cx="863600" cy="815222"/>
+            <a:off x="4114800" y="4279742"/>
+            <a:ext cx="863600" cy="954922"/>
           </a:xfrm>
           <a:prstGeom prst="straightConnector1">
             <a:avLst/>
@@ -5976,7 +5988,7 @@
         <p:spPr>
           <a:xfrm>
             <a:off x="457200" y="1255367"/>
-            <a:ext cx="1562100" cy="777534"/>
+            <a:ext cx="1790700" cy="777534"/>
           </a:xfrm>
           <a:prstGeom prst="flowChartProcess">
             <a:avLst/>
@@ -6016,7 +6028,7 @@
                   <a:srgbClr val="000000"/>
                 </a:solidFill>
               </a:rPr>
-              <a:t>post</a:t>
+              <a:t>announcement</a:t>
             </a:r>
             <a:r>
               <a:rPr lang="en-US" dirty="0" smtClean="0">
@@ -6026,6 +6038,11 @@
               </a:rPr>
               <a:t>.</a:t>
             </a:r>
+            <a:endParaRPr lang="en-US" dirty="0" smtClean="0">
+              <a:solidFill>
+                <a:srgbClr val="000000"/>
+              </a:solidFill>
+            </a:endParaRPr>
           </a:p>
         </p:txBody>
       </p:sp>
@@ -6040,8 +6057,8 @@
         </p:nvCxnSpPr>
         <p:spPr>
           <a:xfrm>
-            <a:off x="1238250" y="2032901"/>
-            <a:ext cx="1009650" cy="1144163"/>
+            <a:off x="1352550" y="2032901"/>
+            <a:ext cx="895350" cy="590165"/>
           </a:xfrm>
           <a:prstGeom prst="straightConnector1">
             <a:avLst/>
@@ -6300,7 +6317,7 @@
         <p:spPr>
           <a:xfrm>
             <a:off x="736600" y="4597400"/>
-            <a:ext cx="3441700" cy="1968500"/>
+            <a:ext cx="3340100" cy="1968500"/>
           </a:xfrm>
           <a:prstGeom prst="flowChartProcess">
             <a:avLst/>
@@ -6372,7 +6389,31 @@
                   <a:srgbClr val="000000"/>
                 </a:solidFill>
               </a:rPr>
-              <a:t>event and author(person) is current user’s person.</a:t>
+              <a:t>event and author</a:t>
+            </a:r>
+            <a:r>
+              <a:rPr lang="en-US" dirty="0" smtClean="0">
+                <a:solidFill>
+                  <a:srgbClr val="000000"/>
+                </a:solidFill>
+              </a:rPr>
+              <a:t>(user) </a:t>
+            </a:r>
+            <a:r>
+              <a:rPr lang="en-US" dirty="0" smtClean="0">
+                <a:solidFill>
+                  <a:srgbClr val="000000"/>
+                </a:solidFill>
+              </a:rPr>
+              <a:t>is current </a:t>
+            </a:r>
+            <a:r>
+              <a:rPr lang="en-US" dirty="0" smtClean="0">
+                <a:solidFill>
+                  <a:srgbClr val="000000"/>
+                </a:solidFill>
+              </a:rPr>
+              <a:t>user.</a:t>
             </a:r>
             <a:endParaRPr lang="en-US" dirty="0">
               <a:solidFill>
@@ -6432,8 +6473,8 @@
         </p:nvCxnSpPr>
         <p:spPr>
           <a:xfrm flipV="1">
-            <a:off x="4178300" y="4952842"/>
-            <a:ext cx="800100" cy="628808"/>
+            <a:off x="4076700" y="4952842"/>
+            <a:ext cx="901700" cy="628808"/>
           </a:xfrm>
           <a:prstGeom prst="straightConnector1">
             <a:avLst/>
@@ -8099,6 +8140,11 @@
             <a:avLst/>
           </a:prstGeom>
           <a:noFill/>
+          <a:ln>
+            <a:solidFill>
+              <a:srgbClr val="4F81BD"/>
+            </a:solidFill>
+          </a:ln>
         </p:spPr>
         <p:txBody>
           <a:bodyPr wrap="square" rtlCol="0">
@@ -8360,12 +8406,13 @@
         </p:nvSpPr>
         <p:spPr>
           <a:xfrm>
-            <a:off x="6009802" y="4064000"/>
+            <a:off x="6133615" y="4064000"/>
             <a:ext cx="2553185" cy="2016204"/>
           </a:xfrm>
           <a:prstGeom prst="flowChartProcess">
             <a:avLst/>
           </a:prstGeom>
+          <a:noFill/>
           <a:ln/>
         </p:spPr>
         <p:style>
@@ -8442,7 +8489,113 @@
         <p:spPr>
           <a:xfrm flipH="1">
             <a:off x="5600700" y="5072102"/>
-            <a:ext cx="409102" cy="788948"/>
+            <a:ext cx="532915" cy="788948"/>
+          </a:xfrm>
+          <a:prstGeom prst="straightConnector1">
+            <a:avLst/>
+          </a:prstGeom>
+          <a:ln>
+            <a:solidFill>
+              <a:srgbClr val="FF0000"/>
+            </a:solidFill>
+            <a:tailEnd type="arrow"/>
+          </a:ln>
+        </p:spPr>
+        <p:style>
+          <a:lnRef idx="2">
+            <a:schemeClr val="accent1"/>
+          </a:lnRef>
+          <a:fillRef idx="0">
+            <a:schemeClr val="accent1"/>
+          </a:fillRef>
+          <a:effectRef idx="1">
+            <a:schemeClr val="accent1"/>
+          </a:effectRef>
+          <a:fontRef idx="minor">
+            <a:schemeClr val="tx1"/>
+          </a:fontRef>
+        </p:style>
+      </p:cxnSp>
+      <p:sp>
+        <p:nvSpPr>
+          <p:cNvPr id="13" name="Process 12"/>
+          <p:cNvSpPr/>
+          <p:nvPr/>
+        </p:nvSpPr>
+        <p:spPr>
+          <a:xfrm>
+            <a:off x="457200" y="4292635"/>
+            <a:ext cx="1562100" cy="777534"/>
+          </a:xfrm>
+          <a:prstGeom prst="flowChartProcess">
+            <a:avLst/>
+          </a:prstGeom>
+          <a:ln/>
+        </p:spPr>
+        <p:style>
+          <a:lnRef idx="2">
+            <a:schemeClr val="accent2"/>
+          </a:lnRef>
+          <a:fillRef idx="1">
+            <a:schemeClr val="lt1"/>
+          </a:fillRef>
+          <a:effectRef idx="0">
+            <a:schemeClr val="accent2"/>
+          </a:effectRef>
+          <a:fontRef idx="minor">
+            <a:schemeClr val="dk1"/>
+          </a:fontRef>
+        </p:style>
+        <p:txBody>
+          <a:bodyPr rtlCol="0" anchor="ctr"/>
+          <a:lstStyle/>
+          <a:p>
+            <a:pPr algn="ctr"/>
+            <a:r>
+              <a:rPr lang="en-US" dirty="0" smtClean="0">
+                <a:solidFill>
+                  <a:srgbClr val="000000"/>
+                </a:solidFill>
+              </a:rPr>
+              <a:t>Table </a:t>
+            </a:r>
+            <a:r>
+              <a:rPr lang="en-US" i="1" dirty="0" smtClean="0">
+                <a:solidFill>
+                  <a:srgbClr val="000000"/>
+                </a:solidFill>
+              </a:rPr>
+              <a:t>user</a:t>
+            </a:r>
+            <a:r>
+              <a:rPr lang="en-US" dirty="0" smtClean="0">
+                <a:solidFill>
+                  <a:srgbClr val="000000"/>
+                </a:solidFill>
+              </a:rPr>
+              <a:t>.</a:t>
+            </a:r>
+            <a:endParaRPr lang="en-US" dirty="0" smtClean="0">
+              <a:solidFill>
+                <a:srgbClr val="000000"/>
+              </a:solidFill>
+            </a:endParaRPr>
+          </a:p>
+        </p:txBody>
+      </p:sp>
+      <p:cxnSp>
+        <p:nvCxnSpPr>
+          <p:cNvPr id="14" name="Straight Arrow Connector 13"/>
+          <p:cNvCxnSpPr>
+            <a:stCxn id="13" idx="3"/>
+            <a:endCxn id="7" idx="1"/>
+          </p:cNvCxnSpPr>
+          <p:nvPr/>
+        </p:nvCxnSpPr>
+        <p:spPr>
+          <a:xfrm>
+            <a:off x="2019300" y="4681402"/>
+            <a:ext cx="698500" cy="121262"/>
           </a:xfrm>
           <a:prstGeom prst="straightConnector1">
             <a:avLst/>
@@ -9369,23 +9522,7 @@
                   <a:srgbClr val="000000"/>
                 </a:solidFill>
               </a:rPr>
-              <a:t>Press to send data above to parse server and try to create a new event with </a:t>
-            </a:r>
-            <a:r>
-              <a:rPr lang="en-US" dirty="0" smtClean="0">
-                <a:solidFill>
-                  <a:srgbClr val="000000"/>
-                </a:solidFill>
-              </a:rPr>
-              <a:t>admin(user) </a:t>
-            </a:r>
-            <a:r>
-              <a:rPr lang="en-US" dirty="0" smtClean="0">
-                <a:solidFill>
-                  <a:srgbClr val="000000"/>
-                </a:solidFill>
-              </a:rPr>
-              <a:t>is current user.</a:t>
+              <a:t>Press to send data above to parse server and try to create a new event with admin(user) is current user.</a:t>
             </a:r>
           </a:p>
           <a:p>
@@ -10018,7 +10155,11 @@
             <a:pPr algn="ctr"/>
             <a:r>
               <a:rPr lang="en-US" dirty="0" smtClean="0"/>
-              <a:t>Add Post</a:t>
+              <a:t>Add </a:t>
+            </a:r>
+            <a:r>
+              <a:rPr lang="en-US" dirty="0" smtClean="0"/>
+              <a:t>Post</a:t>
             </a:r>
             <a:endParaRPr lang="en-US" dirty="0"/>
           </a:p>
